--- a/dev/config.references/Cloud-env Setup.pptx
+++ b/dev/config.references/Cloud-env Setup.pptx
@@ -133,6 +133,10 @@
 </p:presentation>
 </file>
 
+<file path=ppt/revisionInfo.xml><?xml version="1.0" encoding="utf-8"?>
+<p1510:revInfo xmlns:a="http://schemas.openxmlformats.org/drawingml/2006/main" xmlns:r="http://schemas.openxmlformats.org/officeDocument/2006/relationships" xmlns:p1510="http://schemas.microsoft.com/office/powerpoint/2015/10/main"/>
+</file>
+
 <file path=ppt/slideLayouts/slideLayout1.xml><?xml version="1.0" encoding="utf-8"?>
 <p:sldLayout xmlns:a="http://schemas.openxmlformats.org/drawingml/2006/main" xmlns:r="http://schemas.openxmlformats.org/officeDocument/2006/relationships" xmlns:p="http://schemas.openxmlformats.org/presentationml/2006/main" type="title" preserve="1">
   <p:cSld name="标题幻灯片">
@@ -262,7 +266,7 @@
           <a:p>
             <a:fld id="{CC787F1D-4ADC-4571-9CD2-EE492601E430}" type="datetimeFigureOut">
               <a:rPr lang="zh-CN" altLang="en-US" smtClean="0"/>
-              <a:t>2017/4/13</a:t>
+              <a:t>2017/6/13</a:t>
             </a:fld>
             <a:endParaRPr lang="zh-CN" altLang="en-US"/>
           </a:p>
@@ -430,7 +434,7 @@
           <a:p>
             <a:fld id="{CC787F1D-4ADC-4571-9CD2-EE492601E430}" type="datetimeFigureOut">
               <a:rPr lang="zh-CN" altLang="en-US" smtClean="0"/>
-              <a:t>2017/4/13</a:t>
+              <a:t>2017/6/13</a:t>
             </a:fld>
             <a:endParaRPr lang="zh-CN" altLang="en-US"/>
           </a:p>
@@ -608,7 +612,7 @@
           <a:p>
             <a:fld id="{CC787F1D-4ADC-4571-9CD2-EE492601E430}" type="datetimeFigureOut">
               <a:rPr lang="zh-CN" altLang="en-US" smtClean="0"/>
-              <a:t>2017/4/13</a:t>
+              <a:t>2017/6/13</a:t>
             </a:fld>
             <a:endParaRPr lang="zh-CN" altLang="en-US"/>
           </a:p>
@@ -776,7 +780,7 @@
           <a:p>
             <a:fld id="{CC787F1D-4ADC-4571-9CD2-EE492601E430}" type="datetimeFigureOut">
               <a:rPr lang="zh-CN" altLang="en-US" smtClean="0"/>
-              <a:t>2017/4/13</a:t>
+              <a:t>2017/6/13</a:t>
             </a:fld>
             <a:endParaRPr lang="zh-CN" altLang="en-US"/>
           </a:p>
@@ -1021,7 +1025,7 @@
           <a:p>
             <a:fld id="{CC787F1D-4ADC-4571-9CD2-EE492601E430}" type="datetimeFigureOut">
               <a:rPr lang="zh-CN" altLang="en-US" smtClean="0"/>
-              <a:t>2017/4/13</a:t>
+              <a:t>2017/6/13</a:t>
             </a:fld>
             <a:endParaRPr lang="zh-CN" altLang="en-US"/>
           </a:p>
@@ -1250,7 +1254,7 @@
           <a:p>
             <a:fld id="{CC787F1D-4ADC-4571-9CD2-EE492601E430}" type="datetimeFigureOut">
               <a:rPr lang="zh-CN" altLang="en-US" smtClean="0"/>
-              <a:t>2017/4/13</a:t>
+              <a:t>2017/6/13</a:t>
             </a:fld>
             <a:endParaRPr lang="zh-CN" altLang="en-US"/>
           </a:p>
@@ -1614,7 +1618,7 @@
           <a:p>
             <a:fld id="{CC787F1D-4ADC-4571-9CD2-EE492601E430}" type="datetimeFigureOut">
               <a:rPr lang="zh-CN" altLang="en-US" smtClean="0"/>
-              <a:t>2017/4/13</a:t>
+              <a:t>2017/6/13</a:t>
             </a:fld>
             <a:endParaRPr lang="zh-CN" altLang="en-US"/>
           </a:p>
@@ -1731,7 +1735,7 @@
           <a:p>
             <a:fld id="{CC787F1D-4ADC-4571-9CD2-EE492601E430}" type="datetimeFigureOut">
               <a:rPr lang="zh-CN" altLang="en-US" smtClean="0"/>
-              <a:t>2017/4/13</a:t>
+              <a:t>2017/6/13</a:t>
             </a:fld>
             <a:endParaRPr lang="zh-CN" altLang="en-US"/>
           </a:p>
@@ -1826,7 +1830,7 @@
           <a:p>
             <a:fld id="{CC787F1D-4ADC-4571-9CD2-EE492601E430}" type="datetimeFigureOut">
               <a:rPr lang="zh-CN" altLang="en-US" smtClean="0"/>
-              <a:t>2017/4/13</a:t>
+              <a:t>2017/6/13</a:t>
             </a:fld>
             <a:endParaRPr lang="zh-CN" altLang="en-US"/>
           </a:p>
@@ -2101,7 +2105,7 @@
           <a:p>
             <a:fld id="{CC787F1D-4ADC-4571-9CD2-EE492601E430}" type="datetimeFigureOut">
               <a:rPr lang="zh-CN" altLang="en-US" smtClean="0"/>
-              <a:t>2017/4/13</a:t>
+              <a:t>2017/6/13</a:t>
             </a:fld>
             <a:endParaRPr lang="zh-CN" altLang="en-US"/>
           </a:p>
@@ -2353,7 +2357,7 @@
           <a:p>
             <a:fld id="{CC787F1D-4ADC-4571-9CD2-EE492601E430}" type="datetimeFigureOut">
               <a:rPr lang="zh-CN" altLang="en-US" smtClean="0"/>
-              <a:t>2017/4/13</a:t>
+              <a:t>2017/6/13</a:t>
             </a:fld>
             <a:endParaRPr lang="zh-CN" altLang="en-US"/>
           </a:p>
@@ -2564,7 +2568,7 @@
           <a:p>
             <a:fld id="{CC787F1D-4ADC-4571-9CD2-EE492601E430}" type="datetimeFigureOut">
               <a:rPr lang="zh-CN" altLang="en-US" smtClean="0"/>
-              <a:t>2017/4/13</a:t>
+              <a:t>2017/6/13</a:t>
             </a:fld>
             <a:endParaRPr lang="zh-CN" altLang="en-US"/>
           </a:p>
@@ -5287,7 +5291,7 @@
           <a:graphicData uri="http://schemas.openxmlformats.org/presentationml/2006/ole">
             <mc:AlternateContent xmlns:mc="http://schemas.openxmlformats.org/markup-compatibility/2006">
               <mc:Choice xmlns:v="urn:schemas-microsoft-com:vml" Requires="v">
-                <p:oleObj spid="_x0000_s4188" name="包装程序外壳对象" showAsIcon="1" r:id="rId3" imgW="702360" imgH="417600" progId="Package">
+                <p:oleObj spid="_x0000_s4212" name="包装程序外壳对象" showAsIcon="1" r:id="rId3" imgW="702360" imgH="417600" progId="Package">
                   <p:embed/>
                 </p:oleObj>
               </mc:Choice>
@@ -6444,7 +6448,23 @@
             </a:r>
             <a:r>
               <a:rPr lang="en-US" altLang="zh-CN" sz="1600" dirty="0"/>
-              <a:t> run -d -p9200:9200 -p9300:9300 -v /elk/elastic/config:/</a:t>
+              <a:t> run -h 10.39.101.226 -e</a:t>
+            </a:r>
+            <a:r>
+              <a:rPr lang="zh-CN" altLang="en-US" sz="1600" dirty="0"/>
+              <a:t> </a:t>
+            </a:r>
+            <a:r>
+              <a:rPr lang="en-US" altLang="zh-CN" sz="1600" dirty="0"/>
+              <a:t>SERVICE_NAME=</a:t>
+            </a:r>
+            <a:r>
+              <a:rPr lang="en-US" altLang="zh-CN" sz="1600" dirty="0" err="1"/>
+              <a:t>Elasticsearch</a:t>
+            </a:r>
+            <a:r>
+              <a:rPr lang="en-US" altLang="zh-CN" sz="1600" dirty="0"/>
+              <a:t> -d -p9200:9200 -p9300:9300 -v /elk/elastic/config:/</a:t>
             </a:r>
             <a:r>
               <a:rPr lang="en-US" altLang="zh-CN" sz="1600" dirty="0" err="1"/>
@@ -6507,7 +6527,15 @@
             </a:r>
             <a:r>
               <a:rPr lang="en-US" altLang="zh-CN" sz="1600" dirty="0"/>
-              <a:t> run --name </a:t>
+              <a:t> run -h 10.39.101.226  -e SERVICE_NAME=</a:t>
+            </a:r>
+            <a:r>
+              <a:rPr lang="en-US" altLang="zh-CN" sz="1600" dirty="0" err="1"/>
+              <a:t>Kibana</a:t>
+            </a:r>
+            <a:r>
+              <a:rPr lang="en-US" altLang="zh-CN" sz="1600" dirty="0"/>
+              <a:t> --name </a:t>
             </a:r>
             <a:r>
               <a:rPr lang="en-US" altLang="zh-CN" sz="1600" dirty="0" err="1"/>
@@ -6610,7 +6638,15 @@
             </a:r>
             <a:r>
               <a:rPr lang="en-US" altLang="zh-CN" sz="1600" dirty="0"/>
-              <a:t> run -d  -v /elk/</a:t>
+              <a:t> run -h 10.39.101.226  -e SERVICE_NAME=</a:t>
+            </a:r>
+            <a:r>
+              <a:rPr lang="en-US" altLang="zh-CN" sz="1600" dirty="0" err="1"/>
+              <a:t>Logstash</a:t>
+            </a:r>
+            <a:r>
+              <a:rPr lang="en-US" altLang="zh-CN" sz="1600" dirty="0"/>
+              <a:t> -d  -v /elk/</a:t>
             </a:r>
             <a:r>
               <a:rPr lang="en-US" altLang="zh-CN" sz="1600" dirty="0" err="1"/>
@@ -6804,7 +6840,7 @@
           <a:graphicData uri="http://schemas.openxmlformats.org/presentationml/2006/ole">
             <mc:AlternateContent xmlns:mc="http://schemas.openxmlformats.org/markup-compatibility/2006">
               <mc:Choice xmlns:v="urn:schemas-microsoft-com:vml" Requires="v">
-                <p:oleObj spid="_x0000_s5280" name="包装程序外壳对象" showAsIcon="1" r:id="rId4" imgW="1112400" imgH="417600" progId="Package">
+                <p:oleObj spid="_x0000_s5400" name="包装程序外壳对象" showAsIcon="1" r:id="rId4" imgW="1112400" imgH="417600" progId="Package">
                   <p:embed/>
                 </p:oleObj>
               </mc:Choice>
@@ -6861,7 +6897,7 @@
           <a:graphicData uri="http://schemas.openxmlformats.org/presentationml/2006/ole">
             <mc:AlternateContent xmlns:mc="http://schemas.openxmlformats.org/markup-compatibility/2006">
               <mc:Choice xmlns:v="urn:schemas-microsoft-com:vml" Requires="v">
-                <p:oleObj spid="_x0000_s5281" name="包装程序外壳对象" showAsIcon="1" r:id="rId6" imgW="1112400" imgH="417600" progId="Package">
+                <p:oleObj spid="_x0000_s5401" name="包装程序外壳对象" showAsIcon="1" r:id="rId6" imgW="1112400" imgH="417600" progId="Package">
                   <p:embed/>
                 </p:oleObj>
               </mc:Choice>
@@ -6918,7 +6954,7 @@
           <a:graphicData uri="http://schemas.openxmlformats.org/presentationml/2006/ole">
             <mc:AlternateContent xmlns:mc="http://schemas.openxmlformats.org/markup-compatibility/2006">
               <mc:Choice xmlns:v="urn:schemas-microsoft-com:vml" Requires="v">
-                <p:oleObj spid="_x0000_s5282" name="包装程序外壳对象" showAsIcon="1" r:id="rId8" imgW="883080" imgH="417600" progId="Package">
+                <p:oleObj spid="_x0000_s5402" name="包装程序外壳对象" showAsIcon="1" r:id="rId8" imgW="883080" imgH="417600" progId="Package">
                   <p:embed/>
                 </p:oleObj>
               </mc:Choice>
@@ -6975,7 +7011,7 @@
           <a:graphicData uri="http://schemas.openxmlformats.org/presentationml/2006/ole">
             <mc:AlternateContent xmlns:mc="http://schemas.openxmlformats.org/markup-compatibility/2006">
               <mc:Choice xmlns:v="urn:schemas-microsoft-com:vml" Requires="v">
-                <p:oleObj spid="_x0000_s5283" name="包装程序外壳对象" showAsIcon="1" r:id="rId10" imgW="1237680" imgH="417600" progId="Package">
+                <p:oleObj spid="_x0000_s5403" name="包装程序外壳对象" showAsIcon="1" r:id="rId10" imgW="1237680" imgH="417600" progId="Package">
                   <p:embed/>
                 </p:oleObj>
               </mc:Choice>
@@ -7032,7 +7068,7 @@
           <a:graphicData uri="http://schemas.openxmlformats.org/presentationml/2006/ole">
             <mc:AlternateContent xmlns:mc="http://schemas.openxmlformats.org/markup-compatibility/2006">
               <mc:Choice xmlns:v="urn:schemas-microsoft-com:vml" Requires="v">
-                <p:oleObj spid="_x0000_s5284" name="包装程序外壳对象" showAsIcon="1" r:id="rId12" imgW="716040" imgH="417600" progId="Package">
+                <p:oleObj spid="_x0000_s5404" name="包装程序外壳对象" showAsIcon="1" r:id="rId12" imgW="716040" imgH="417600" progId="Package">
                   <p:embed/>
                 </p:oleObj>
               </mc:Choice>
@@ -7119,7 +7155,15 @@
           <a:p>
             <a:r>
               <a:rPr lang="en-US" altLang="zh-CN" dirty="0"/>
-              <a:t>Consul</a:t>
+              <a:t>Consul-</a:t>
+            </a:r>
+            <a:r>
+              <a:rPr lang="en-US" altLang="zh-CN" dirty="0" err="1"/>
+              <a:t>Registrator</a:t>
+            </a:r>
+            <a:r>
+              <a:rPr lang="en-US" altLang="zh-CN" dirty="0"/>
+              <a:t>-Consul-Template-Nginx</a:t>
             </a:r>
             <a:endParaRPr lang="zh-CN" altLang="en-US" dirty="0"/>
           </a:p>
@@ -7146,27 +7190,476 @@
           <a:lstStyle/>
           <a:p>
             <a:r>
-              <a:rPr lang="en-US" altLang="zh-CN" dirty="0" err="1"/>
+              <a:rPr lang="en-US" altLang="zh-CN" sz="1200" b="1" dirty="0"/>
+              <a:t>Create Consul server:</a:t>
+            </a:r>
+          </a:p>
+          <a:p>
+            <a:pPr marL="0" indent="0">
+              <a:buNone/>
+            </a:pPr>
+            <a:r>
+              <a:rPr lang="en-US" altLang="zh-CN" sz="1200" dirty="0" err="1"/>
               <a:t>docker</a:t>
             </a:r>
             <a:r>
-              <a:rPr lang="en-US" altLang="zh-CN" dirty="0"/>
-              <a:t> pull consul</a:t>
-            </a:r>
-          </a:p>
-          <a:p>
-            <a:r>
-              <a:rPr lang="en-US" altLang="zh-CN" dirty="0" err="1"/>
+              <a:rPr lang="en-US" altLang="zh-CN" sz="1200" dirty="0"/>
+              <a:t> run  -d --name </a:t>
+            </a:r>
+            <a:r>
+              <a:rPr lang="en-US" altLang="zh-CN" sz="1200" dirty="0" err="1"/>
+              <a:t>consul.server</a:t>
+            </a:r>
+            <a:r>
+              <a:rPr lang="en-US" altLang="zh-CN" sz="1200" dirty="0"/>
+              <a:t> -h consul.node1 -v /</a:t>
+            </a:r>
+            <a:r>
+              <a:rPr lang="en-US" altLang="zh-CN" sz="1200" dirty="0" err="1"/>
+              <a:t>mnt</a:t>
+            </a:r>
+            <a:r>
+              <a:rPr lang="en-US" altLang="zh-CN" sz="1200" dirty="0"/>
+              <a:t>:/data   -p 8300:8300   -p 8301:8301  -p 8301:8301/</a:t>
+            </a:r>
+            <a:r>
+              <a:rPr lang="en-US" altLang="zh-CN" sz="1200" dirty="0" err="1"/>
+              <a:t>udp</a:t>
+            </a:r>
+            <a:r>
+              <a:rPr lang="en-US" altLang="zh-CN" sz="1200" dirty="0"/>
+              <a:t>  -p 8302:8302  -p 8302:8302/</a:t>
+            </a:r>
+            <a:r>
+              <a:rPr lang="en-US" altLang="zh-CN" sz="1200" dirty="0" err="1"/>
+              <a:t>udp</a:t>
+            </a:r>
+            <a:r>
+              <a:rPr lang="en-US" altLang="zh-CN" sz="1200" dirty="0"/>
+              <a:t>  -p 8400:8400   -p 8500:8500   -p 8600:53/</a:t>
+            </a:r>
+            <a:r>
+              <a:rPr lang="en-US" altLang="zh-CN" sz="1200" dirty="0" err="1"/>
+              <a:t>udp</a:t>
+            </a:r>
+            <a:r>
+              <a:rPr lang="en-US" altLang="zh-CN" sz="1200" dirty="0"/>
+              <a:t>  10.39.101.226:5000/</a:t>
+            </a:r>
+            <a:r>
+              <a:rPr lang="en-US" altLang="zh-CN" sz="1200" dirty="0" err="1"/>
+              <a:t>progrium</a:t>
+            </a:r>
+            <a:r>
+              <a:rPr lang="en-US" altLang="zh-CN" sz="1200" dirty="0"/>
+              <a:t>/consul -server -advertise 10.39.101.226 -bootstrap-expect</a:t>
+            </a:r>
+            <a:r>
+              <a:rPr lang="en-US" altLang="zh-CN" sz="1200" b="1" dirty="0">
+                <a:solidFill>
+                  <a:srgbClr val="FF0000"/>
+                </a:solidFill>
+              </a:rPr>
+              <a:t> 2</a:t>
+            </a:r>
+          </a:p>
+          <a:p>
+            <a:r>
+              <a:rPr lang="en-US" altLang="zh-CN" sz="1200" b="1" dirty="0"/>
+              <a:t>Create Consul Client</a:t>
+            </a:r>
+          </a:p>
+          <a:p>
+            <a:pPr marL="0" indent="0">
+              <a:buNone/>
+            </a:pPr>
+            <a:r>
+              <a:rPr lang="en-US" altLang="zh-CN" sz="1200" dirty="0"/>
+              <a:t> </a:t>
+            </a:r>
+            <a:r>
+              <a:rPr lang="en-US" altLang="zh-CN" sz="1200" dirty="0" err="1"/>
               <a:t>docker</a:t>
             </a:r>
             <a:r>
-              <a:rPr lang="en-US" altLang="zh-CN" dirty="0"/>
-              <a:t> run --name consul -p 8400:8300 -p 8401:8301 -p 8500:8500 -p 8600:8600 -v /consul/config:/consul/config -v /consul/data:/consul/data consul</a:t>
-            </a:r>
-            <a:endParaRPr lang="zh-CN" altLang="en-US" dirty="0"/>
+              <a:rPr lang="en-US" altLang="zh-CN" sz="1200" dirty="0"/>
+              <a:t> run -d --name </a:t>
+            </a:r>
+            <a:r>
+              <a:rPr lang="en-US" altLang="zh-CN" sz="1200" dirty="0" err="1"/>
+              <a:t>consul.server</a:t>
+            </a:r>
+            <a:r>
+              <a:rPr lang="en-US" altLang="zh-CN" sz="1200" dirty="0"/>
+              <a:t> -h consul.node2 -v /</a:t>
+            </a:r>
+            <a:r>
+              <a:rPr lang="en-US" altLang="zh-CN" sz="1200" dirty="0" err="1"/>
+              <a:t>mnt</a:t>
+            </a:r>
+            <a:r>
+              <a:rPr lang="en-US" altLang="zh-CN" sz="1200" dirty="0"/>
+              <a:t>:/data  -p 8300:8300    -p 8301:8301     -p 8301:8301/</a:t>
+            </a:r>
+            <a:r>
+              <a:rPr lang="en-US" altLang="zh-CN" sz="1200" dirty="0" err="1"/>
+              <a:t>udp</a:t>
+            </a:r>
+            <a:r>
+              <a:rPr lang="en-US" altLang="zh-CN" sz="1200" dirty="0"/>
+              <a:t>     -p 8302:8302     -p 8302:8302/</a:t>
+            </a:r>
+            <a:r>
+              <a:rPr lang="en-US" altLang="zh-CN" sz="1200" dirty="0" err="1"/>
+              <a:t>udp</a:t>
+            </a:r>
+            <a:r>
+              <a:rPr lang="en-US" altLang="zh-CN" sz="1200" dirty="0"/>
+              <a:t>     -p 8400:8400     -p 8500:8500   -p 8600:53/</a:t>
+            </a:r>
+            <a:r>
+              <a:rPr lang="en-US" altLang="zh-CN" sz="1200" dirty="0" err="1"/>
+              <a:t>udp</a:t>
+            </a:r>
+            <a:r>
+              <a:rPr lang="en-US" altLang="zh-CN" sz="1200" dirty="0"/>
+              <a:t>  10.39.101.226:5000/</a:t>
+            </a:r>
+            <a:r>
+              <a:rPr lang="en-US" altLang="zh-CN" sz="1200" dirty="0" err="1"/>
+              <a:t>progrium</a:t>
+            </a:r>
+            <a:r>
+              <a:rPr lang="en-US" altLang="zh-CN" sz="1200" dirty="0"/>
+              <a:t>/consul -server -advertise 10.39.107.124 -join 10.39.101.226</a:t>
+            </a:r>
+          </a:p>
+          <a:p>
+            <a:r>
+              <a:rPr lang="en-US" altLang="zh-CN" sz="1200" b="1" dirty="0"/>
+              <a:t>Create Service </a:t>
+            </a:r>
+            <a:r>
+              <a:rPr lang="en-US" altLang="zh-CN" sz="1200" b="1" dirty="0" err="1"/>
+              <a:t>Registrator</a:t>
+            </a:r>
+            <a:endParaRPr lang="en-US" altLang="zh-CN" sz="1200" b="1" dirty="0"/>
+          </a:p>
+          <a:p>
+            <a:pPr marL="0" indent="0">
+              <a:buNone/>
+            </a:pPr>
+            <a:r>
+              <a:rPr lang="en-US" altLang="zh-CN" sz="1200" dirty="0" err="1"/>
+              <a:t>docker</a:t>
+            </a:r>
+            <a:r>
+              <a:rPr lang="en-US" altLang="zh-CN" sz="1200" dirty="0"/>
+              <a:t> run -it --name </a:t>
+            </a:r>
+            <a:r>
+              <a:rPr lang="en-US" altLang="zh-CN" sz="1200" dirty="0" err="1"/>
+              <a:t>service.registrator</a:t>
+            </a:r>
+            <a:r>
+              <a:rPr lang="en-US" altLang="zh-CN" sz="1200" dirty="0"/>
+              <a:t> -d -v /</a:t>
+            </a:r>
+            <a:r>
+              <a:rPr lang="en-US" altLang="zh-CN" sz="1200" dirty="0" err="1"/>
+              <a:t>var</a:t>
+            </a:r>
+            <a:r>
+              <a:rPr lang="en-US" altLang="zh-CN" sz="1200" dirty="0"/>
+              <a:t>/run/</a:t>
+            </a:r>
+            <a:r>
+              <a:rPr lang="en-US" altLang="zh-CN" sz="1200" dirty="0" err="1"/>
+              <a:t>docker.sock</a:t>
+            </a:r>
+            <a:r>
+              <a:rPr lang="en-US" altLang="zh-CN" sz="1200" dirty="0"/>
+              <a:t>:/</a:t>
+            </a:r>
+            <a:r>
+              <a:rPr lang="en-US" altLang="zh-CN" sz="1200" dirty="0" err="1"/>
+              <a:t>tmp</a:t>
+            </a:r>
+            <a:r>
+              <a:rPr lang="en-US" altLang="zh-CN" sz="1200" dirty="0"/>
+              <a:t>/</a:t>
+            </a:r>
+            <a:r>
+              <a:rPr lang="en-US" altLang="zh-CN" sz="1200" dirty="0" err="1"/>
+              <a:t>docker.sock</a:t>
+            </a:r>
+            <a:r>
+              <a:rPr lang="en-US" altLang="zh-CN" sz="1200" dirty="0"/>
+              <a:t> -h 10.39.101.226 </a:t>
+            </a:r>
+            <a:r>
+              <a:rPr lang="en-US" altLang="zh-CN" sz="1200" dirty="0" err="1"/>
+              <a:t>gliderlabs</a:t>
+            </a:r>
+            <a:r>
+              <a:rPr lang="en-US" altLang="zh-CN" sz="1200" dirty="0"/>
+              <a:t>/</a:t>
+            </a:r>
+            <a:r>
+              <a:rPr lang="en-US" altLang="zh-CN" sz="1200" dirty="0" err="1"/>
+              <a:t>registrator:latest</a:t>
+            </a:r>
+            <a:r>
+              <a:rPr lang="en-US" altLang="zh-CN" sz="1200" dirty="0"/>
+              <a:t> consul://10.39.101.226:8500</a:t>
+            </a:r>
+          </a:p>
+          <a:p>
+            <a:pPr marL="0" indent="0">
+              <a:buNone/>
+            </a:pPr>
+            <a:r>
+              <a:rPr lang="en-US" altLang="zh-CN" sz="1200" dirty="0"/>
+              <a:t>You can use </a:t>
+            </a:r>
+            <a:r>
+              <a:rPr lang="en-US" altLang="zh-CN" sz="1200" dirty="0" err="1"/>
+              <a:t>docker</a:t>
+            </a:r>
+            <a:r>
+              <a:rPr lang="en-US" altLang="zh-CN" sz="1200" dirty="0"/>
+              <a:t> </a:t>
+            </a:r>
+            <a:r>
+              <a:rPr lang="en-US" altLang="zh-CN" sz="1200" dirty="0" err="1"/>
+              <a:t>arg</a:t>
+            </a:r>
+            <a:r>
+              <a:rPr lang="en-US" altLang="zh-CN" sz="1200" dirty="0"/>
+              <a:t> –e to name a service, for example: </a:t>
+            </a:r>
+            <a:r>
+              <a:rPr lang="en-US" altLang="zh-CN" sz="1200" dirty="0" err="1"/>
+              <a:t>docker</a:t>
+            </a:r>
+            <a:r>
+              <a:rPr lang="en-US" altLang="zh-CN" sz="1200" dirty="0"/>
+              <a:t> run </a:t>
+            </a:r>
+            <a:r>
+              <a:rPr lang="en-US" altLang="zh-CN" sz="1200" b="1" dirty="0">
+                <a:solidFill>
+                  <a:srgbClr val="FF0000"/>
+                </a:solidFill>
+              </a:rPr>
+              <a:t>-e SERVICE_NAME=</a:t>
+            </a:r>
+            <a:r>
+              <a:rPr lang="en-US" altLang="zh-CN" sz="1200" b="1" dirty="0" err="1">
+                <a:solidFill>
+                  <a:srgbClr val="FF0000"/>
+                </a:solidFill>
+              </a:rPr>
+              <a:t>cloud.security.service</a:t>
+            </a:r>
+            <a:endParaRPr lang="en-US" altLang="zh-CN" sz="1200" b="1" dirty="0">
+              <a:solidFill>
+                <a:srgbClr val="FF0000"/>
+              </a:solidFill>
+            </a:endParaRPr>
+          </a:p>
+          <a:p>
+            <a:pPr marL="0" indent="0">
+              <a:buNone/>
+            </a:pPr>
+            <a:endParaRPr lang="en-US" altLang="zh-CN" sz="1200" b="1" dirty="0">
+              <a:solidFill>
+                <a:srgbClr val="FF0000"/>
+              </a:solidFill>
+            </a:endParaRPr>
+          </a:p>
+          <a:p>
+            <a:r>
+              <a:rPr lang="en-US" altLang="zh-CN" sz="1200" b="1" dirty="0"/>
+              <a:t>Run consul-template	</a:t>
+            </a:r>
+          </a:p>
+          <a:p>
+            <a:r>
+              <a:rPr lang="en-US" altLang="zh-CN" sz="1200" dirty="0" err="1"/>
+              <a:t>wget</a:t>
+            </a:r>
+            <a:r>
+              <a:rPr lang="en-US" altLang="zh-CN" sz="1200" dirty="0"/>
+              <a:t> -c https://releases.hashicorp.com/consul-template/0.12.0/consul-template_0.12.0_linux_amd64.zip</a:t>
+            </a:r>
+            <a:br>
+              <a:rPr lang="en-US" altLang="zh-CN" sz="1200" dirty="0"/>
+            </a:br>
+            <a:r>
+              <a:rPr lang="en-US" altLang="zh-CN" sz="1200" dirty="0"/>
+              <a:t>unzip -d . consul-template_0.12.0_linux_amd64.zip    </a:t>
+            </a:r>
+            <a:br>
+              <a:rPr lang="en-US" altLang="zh-CN" sz="1200" dirty="0"/>
+            </a:br>
+            <a:r>
+              <a:rPr lang="en-US" altLang="zh-CN" sz="1200" dirty="0" err="1"/>
+              <a:t>cp</a:t>
+            </a:r>
+            <a:r>
+              <a:rPr lang="en-US" altLang="zh-CN" sz="1200" dirty="0"/>
+              <a:t> consul-template    /</a:t>
+            </a:r>
+            <a:r>
+              <a:rPr lang="en-US" altLang="zh-CN" sz="1200" dirty="0" err="1"/>
+              <a:t>usr</a:t>
+            </a:r>
+            <a:r>
+              <a:rPr lang="en-US" altLang="zh-CN" sz="1200" dirty="0"/>
+              <a:t>/local/bin/.</a:t>
+            </a:r>
+            <a:endParaRPr lang="en-US" altLang="zh-CN" sz="1200" b="1" dirty="0"/>
+          </a:p>
+          <a:p>
+            <a:r>
+              <a:rPr lang="en-US" altLang="zh-CN" sz="1200" dirty="0"/>
+              <a:t>consul-template -consul 10.39.101.226:8500  -template /</a:t>
+            </a:r>
+            <a:r>
+              <a:rPr lang="en-US" altLang="zh-CN" sz="1200" dirty="0" err="1"/>
+              <a:t>AppConfig</a:t>
+            </a:r>
+            <a:r>
+              <a:rPr lang="en-US" altLang="zh-CN" sz="1200" dirty="0"/>
+              <a:t>/test/</a:t>
+            </a:r>
+            <a:r>
+              <a:rPr lang="en-US" altLang="zh-CN" sz="1200" dirty="0" err="1"/>
+              <a:t>nginx.server</a:t>
+            </a:r>
+            <a:r>
+              <a:rPr lang="en-US" altLang="zh-CN" sz="1200" dirty="0"/>
+              <a:t>/</a:t>
+            </a:r>
+            <a:r>
+              <a:rPr lang="en-US" altLang="zh-CN" sz="1200" dirty="0" err="1"/>
+              <a:t>nginx.tmpl</a:t>
+            </a:r>
+            <a:r>
+              <a:rPr lang="en-US" altLang="zh-CN" sz="1200" dirty="0"/>
+              <a:t>:/</a:t>
+            </a:r>
+            <a:r>
+              <a:rPr lang="en-US" altLang="zh-CN" sz="1200" dirty="0" err="1"/>
+              <a:t>AppConfig</a:t>
+            </a:r>
+            <a:r>
+              <a:rPr lang="en-US" altLang="zh-CN" sz="1200" dirty="0"/>
+              <a:t>/test/</a:t>
+            </a:r>
+            <a:r>
+              <a:rPr lang="en-US" altLang="zh-CN" sz="1200" dirty="0" err="1"/>
+              <a:t>nginx.server</a:t>
+            </a:r>
+            <a:r>
+              <a:rPr lang="en-US" altLang="zh-CN" sz="1200" dirty="0"/>
+              <a:t>/nginx.</a:t>
+            </a:r>
+            <a:r>
+              <a:rPr lang="en-US" altLang="zh-CN" sz="1200" dirty="0" err="1"/>
+              <a:t>conf</a:t>
+            </a:r>
+            <a:r>
+              <a:rPr lang="en-US" altLang="zh-CN" sz="1200" dirty="0"/>
+              <a:t>:"</a:t>
+            </a:r>
+            <a:r>
+              <a:rPr lang="en-US" altLang="zh-CN" sz="1200" dirty="0" err="1"/>
+              <a:t>docker</a:t>
+            </a:r>
+            <a:r>
+              <a:rPr lang="en-US" altLang="zh-CN" sz="1200" dirty="0"/>
+              <a:t> restart </a:t>
+            </a:r>
+            <a:r>
+              <a:rPr lang="en-US" altLang="zh-CN" sz="1200" dirty="0" err="1"/>
+              <a:t>nginx.server</a:t>
+            </a:r>
+            <a:r>
+              <a:rPr lang="en-US" altLang="zh-CN" sz="1200" dirty="0"/>
+              <a:t>"</a:t>
+            </a:r>
+          </a:p>
+          <a:p>
+            <a:pPr marL="0" indent="0">
+              <a:buNone/>
+            </a:pPr>
+            <a:endParaRPr lang="en-US" altLang="zh-CN" sz="1200" b="1" dirty="0">
+              <a:solidFill>
+                <a:srgbClr val="FF0000"/>
+              </a:solidFill>
+            </a:endParaRPr>
           </a:p>
         </p:txBody>
       </p:sp>
+      <p:graphicFrame>
+        <p:nvGraphicFramePr>
+          <p:cNvPr id="4" name="对象 3"/>
+          <p:cNvGraphicFramePr>
+            <a:graphicFrameLocks noChangeAspect="1"/>
+          </p:cNvGraphicFramePr>
+          <p:nvPr>
+            <p:extLst>
+              <p:ext uri="{D42A27DB-BD31-4B8C-83A1-F6EECF244321}">
+                <p14:modId xmlns:p14="http://schemas.microsoft.com/office/powerpoint/2010/main" val="2811685436"/>
+              </p:ext>
+            </p:extLst>
+          </p:nvPr>
+        </p:nvGraphicFramePr>
+        <p:xfrm>
+          <a:off x="7715619" y="4866093"/>
+          <a:ext cx="2989342" cy="981813"/>
+        </p:xfrm>
+        <a:graphic>
+          <a:graphicData uri="http://schemas.openxmlformats.org/presentationml/2006/ole">
+            <mc:AlternateContent xmlns:mc="http://schemas.openxmlformats.org/markup-compatibility/2006">
+              <mc:Choice xmlns:v="urn:schemas-microsoft-com:vml" Requires="v">
+                <p:oleObj spid="_x0000_s6148" name="包装程序外壳对象" showAsIcon="1" r:id="rId3" imgW="1188720" imgH="389880" progId="Package">
+                  <p:embed/>
+                </p:oleObj>
+              </mc:Choice>
+              <mc:Fallback>
+                <p:oleObj name="包装程序外壳对象" showAsIcon="1" r:id="rId3" imgW="1188720" imgH="389880" progId="Package">
+                  <p:embed/>
+                  <p:pic>
+                    <p:nvPicPr>
+                      <p:cNvPr id="0" name=""/>
+                      <p:cNvPicPr/>
+                      <p:nvPr/>
+                    </p:nvPicPr>
+                    <p:blipFill>
+                      <a:blip r:embed="rId4"/>
+                      <a:stretch>
+                        <a:fillRect/>
+                      </a:stretch>
+                    </p:blipFill>
+                    <p:spPr>
+                      <a:xfrm>
+                        <a:off x="7715619" y="4866093"/>
+                        <a:ext cx="2989342" cy="981813"/>
+                      </a:xfrm>
+                      <a:prstGeom prst="rect">
+                        <a:avLst/>
+                      </a:prstGeom>
+                    </p:spPr>
+                  </p:pic>
+                </p:oleObj>
+              </mc:Fallback>
+            </mc:AlternateContent>
+          </a:graphicData>
+        </a:graphic>
+      </p:graphicFrame>
     </p:spTree>
     <p:extLst>
       <p:ext uri="{BB962C8B-B14F-4D97-AF65-F5344CB8AC3E}">
@@ -9441,7 +9934,7 @@
           <a:graphicData uri="http://schemas.openxmlformats.org/presentationml/2006/ole">
             <mc:AlternateContent xmlns:mc="http://schemas.openxmlformats.org/markup-compatibility/2006">
               <mc:Choice xmlns:v="urn:schemas-microsoft-com:vml" Requires="v">
-                <p:oleObj spid="_x0000_s2256" name="包装程序外壳对象" showAsIcon="1" r:id="rId3" imgW="785520" imgH="417600" progId="Package">
+                <p:oleObj spid="_x0000_s2280" name="包装程序外壳对象" showAsIcon="1" r:id="rId3" imgW="785520" imgH="417600" progId="Package">
                   <p:embed/>
                 </p:oleObj>
               </mc:Choice>
@@ -10159,7 +10652,7 @@
           <a:graphicData uri="http://schemas.openxmlformats.org/presentationml/2006/ole">
             <mc:AlternateContent xmlns:mc="http://schemas.openxmlformats.org/markup-compatibility/2006">
               <mc:Choice xmlns:v="urn:schemas-microsoft-com:vml" Requires="v">
-                <p:oleObj spid="_x0000_s3262" name="包装程序外壳对象" showAsIcon="1" r:id="rId4" imgW="785520" imgH="417600" progId="Package">
+                <p:oleObj spid="_x0000_s3286" name="包装程序外壳对象" showAsIcon="1" r:id="rId4" imgW="785520" imgH="417600" progId="Package">
                   <p:embed/>
                 </p:oleObj>
               </mc:Choice>
